--- a/Presentation.pptx
+++ b/Presentation.pptx
@@ -114,6 +114,11 @@
       </a:defRPr>
     </a:lvl9pPr>
   </p:defaultTextStyle>
+  <p:extLst>
+    <p:ext uri="{EFAFB233-063F-42B5-8137-9DF3F51BA10A}">
+      <p15:sldGuideLst xmlns:p15="http://schemas.microsoft.com/office/powerpoint/2012/main"/>
+    </p:ext>
+  </p:extLst>
 </p:presentation>
 </file>
 
@@ -4217,7 +4222,7 @@
                 <a:latin typeface="Aharoni" panose="02010803020104030203" pitchFamily="2" charset="-79"/>
                 <a:cs typeface="Aharoni" panose="02010803020104030203" pitchFamily="2" charset="-79"/>
               </a:rPr>
-              <a:t> No car available</a:t>
+              <a:t>No car available</a:t>
             </a:r>
           </a:p>
           <a:p>
@@ -4270,7 +4275,7 @@
               <a:buNone/>
             </a:pPr>
             <a:r>
-              <a:rPr lang="en-US" sz="3200" dirty="0">
+              <a:rPr lang="en-US" sz="2800" dirty="0">
                 <a:solidFill>
                   <a:schemeClr val="bg1"/>
                 </a:solidFill>
@@ -4280,7 +4285,7 @@
               <a:t>1,43 riders per car on average</a:t>
             </a:r>
             <a:r>
-              <a:rPr lang="en-US" sz="3200" baseline="30000" dirty="0">
+              <a:rPr lang="en-US" sz="2800" baseline="30000" dirty="0">
                 <a:solidFill>
                   <a:schemeClr val="bg1"/>
                 </a:solidFill>
@@ -4289,7 +4294,7 @@
               </a:rPr>
               <a:t>1</a:t>
             </a:r>
-            <a:endParaRPr lang="en-US" sz="3200" dirty="0">
+            <a:endParaRPr lang="en-US" sz="2800" dirty="0">
               <a:solidFill>
                 <a:schemeClr val="bg1"/>
               </a:solidFill>
@@ -4471,9 +4476,8 @@
           <a:bodyPr/>
           <a:lstStyle/>
           <a:p>
-            <a:pPr marL="514350" indent="-514350">
-              <a:buFont typeface="+mj-lt"/>
-              <a:buAutoNum type="arabicPeriod"/>
+            <a:pPr marL="0" indent="0">
+              <a:buNone/>
             </a:pPr>
             <a:r>
               <a:rPr lang="en-US" sz="3600" dirty="0">
@@ -4487,9 +4491,21 @@
             </a:r>
           </a:p>
           <a:p>
-            <a:pPr marL="971550" lvl="1" indent="-514350">
-              <a:buFont typeface="+mj-lt"/>
-              <a:buAutoNum type="arabicPeriod"/>
+            <a:pPr marL="0" indent="0">
+              <a:buNone/>
+            </a:pPr>
+            <a:endParaRPr lang="en-US" sz="3600" dirty="0">
+              <a:solidFill>
+                <a:schemeClr val="bg1"/>
+              </a:solidFill>
+              <a:latin typeface="Aharoni" panose="02010803020104030203" pitchFamily="2" charset="-79"/>
+              <a:cs typeface="Aharoni" panose="02010803020104030203" pitchFamily="2" charset="-79"/>
+            </a:endParaRPr>
+          </a:p>
+          <a:p>
+            <a:pPr lvl="1">
+              <a:buFont typeface="Wingdings" pitchFamily="2" charset="2"/>
+              <a:buChar char="§"/>
             </a:pPr>
             <a:r>
               <a:rPr lang="en-US" sz="3200" dirty="0">
@@ -4499,13 +4515,26 @@
                 <a:latin typeface="Aharoni" panose="02010803020104030203" pitchFamily="2" charset="-79"/>
                 <a:cs typeface="Aharoni" panose="02010803020104030203" pitchFamily="2" charset="-79"/>
               </a:rPr>
-              <a:t>Have a ride always available within radius</a:t>
-            </a:r>
-          </a:p>
-          <a:p>
-            <a:pPr marL="971550" lvl="1" indent="-514350">
-              <a:buFont typeface="+mj-lt"/>
-              <a:buAutoNum type="arabicPeriod"/>
+              <a:t>Suggested bookings</a:t>
+            </a:r>
+          </a:p>
+          <a:p>
+            <a:pPr lvl="1">
+              <a:buFont typeface="Wingdings" pitchFamily="2" charset="2"/>
+              <a:buChar char="§"/>
+            </a:pPr>
+            <a:endParaRPr lang="en-US" sz="3200" dirty="0">
+              <a:solidFill>
+                <a:schemeClr val="bg1"/>
+              </a:solidFill>
+              <a:latin typeface="Aharoni" panose="02010803020104030203" pitchFamily="2" charset="-79"/>
+              <a:cs typeface="Aharoni" panose="02010803020104030203" pitchFamily="2" charset="-79"/>
+            </a:endParaRPr>
+          </a:p>
+          <a:p>
+            <a:pPr lvl="1">
+              <a:buFont typeface="Wingdings" pitchFamily="2" charset="2"/>
+              <a:buChar char="§"/>
             </a:pPr>
             <a:r>
               <a:rPr lang="en-US" sz="3200" dirty="0">
@@ -4515,7 +4544,7 @@
                 <a:latin typeface="Aharoni" panose="02010803020104030203" pitchFamily="2" charset="-79"/>
                 <a:cs typeface="Aharoni" panose="02010803020104030203" pitchFamily="2" charset="-79"/>
               </a:rPr>
-              <a:t>Get updates on your trip </a:t>
+              <a:t>Get updates on your trip (e.g. traffic Information) </a:t>
             </a:r>
           </a:p>
           <a:p>
@@ -4631,9 +4660,8 @@
           <a:bodyPr/>
           <a:lstStyle/>
           <a:p>
-            <a:pPr marL="514350" indent="-514350">
-              <a:buFont typeface="+mj-lt"/>
-              <a:buAutoNum type="arabicPeriod"/>
+            <a:pPr marL="0" indent="0">
+              <a:buNone/>
             </a:pPr>
             <a:r>
               <a:rPr lang="en-US" sz="3600" dirty="0">
@@ -4643,13 +4671,25 @@
                 <a:latin typeface="Aharoni" panose="02010803020104030203" pitchFamily="2" charset="-79"/>
                 <a:cs typeface="Aharoni" panose="02010803020104030203" pitchFamily="2" charset="-79"/>
               </a:rPr>
-              <a:t>Enable your trips for car pooling</a:t>
-            </a:r>
-          </a:p>
-          <a:p>
-            <a:pPr marL="971550" lvl="1" indent="-514350">
-              <a:buFont typeface="+mj-lt"/>
-              <a:buAutoNum type="arabicPeriod"/>
+              <a:t>Enable trips for car pooling</a:t>
+            </a:r>
+          </a:p>
+          <a:p>
+            <a:pPr marL="0" indent="0">
+              <a:buNone/>
+            </a:pPr>
+            <a:endParaRPr lang="en-US" sz="3600" dirty="0">
+              <a:solidFill>
+                <a:schemeClr val="bg1"/>
+              </a:solidFill>
+              <a:latin typeface="Aharoni" panose="02010803020104030203" pitchFamily="2" charset="-79"/>
+              <a:cs typeface="Aharoni" panose="02010803020104030203" pitchFamily="2" charset="-79"/>
+            </a:endParaRPr>
+          </a:p>
+          <a:p>
+            <a:pPr lvl="1">
+              <a:buFont typeface="Wingdings" pitchFamily="2" charset="2"/>
+              <a:buChar char="§"/>
             </a:pPr>
             <a:r>
               <a:rPr lang="en-US" sz="3200" dirty="0">
@@ -4663,9 +4703,22 @@
             </a:r>
           </a:p>
           <a:p>
-            <a:pPr marL="971550" lvl="1" indent="-514350">
-              <a:buFont typeface="+mj-lt"/>
-              <a:buAutoNum type="arabicPeriod"/>
+            <a:pPr lvl="1">
+              <a:buFont typeface="Wingdings" pitchFamily="2" charset="2"/>
+              <a:buChar char="§"/>
+            </a:pPr>
+            <a:endParaRPr lang="en-US" sz="3200" dirty="0">
+              <a:solidFill>
+                <a:schemeClr val="bg1"/>
+              </a:solidFill>
+              <a:latin typeface="Aharoni" panose="02010803020104030203" pitchFamily="2" charset="-79"/>
+              <a:cs typeface="Aharoni" panose="02010803020104030203" pitchFamily="2" charset="-79"/>
+            </a:endParaRPr>
+          </a:p>
+          <a:p>
+            <a:pPr lvl="1">
+              <a:buFont typeface="Wingdings" pitchFamily="2" charset="2"/>
+              <a:buChar char="§"/>
             </a:pPr>
             <a:r>
               <a:rPr lang="en-US" sz="3200" dirty="0">
@@ -4742,24 +4795,8 @@
                 <a:latin typeface="Aharoni" panose="02010803020104030203" pitchFamily="2" charset="-79"/>
                 <a:cs typeface="Aharoni" panose="02010803020104030203" pitchFamily="2" charset="-79"/>
               </a:rPr>
-              <a:t>New possible Booking options</a:t>
-            </a:r>
-            <a:br>
-              <a:rPr lang="en-US" dirty="0">
-                <a:solidFill>
-                  <a:srgbClr val="FF5F00"/>
-                </a:solidFill>
-                <a:latin typeface="Aharoni" panose="02010803020104030203" pitchFamily="2" charset="-79"/>
-                <a:cs typeface="Aharoni" panose="02010803020104030203" pitchFamily="2" charset="-79"/>
-              </a:rPr>
-            </a:br>
-            <a:endParaRPr lang="en-US" dirty="0">
-              <a:solidFill>
-                <a:srgbClr val="FF5F00"/>
-              </a:solidFill>
-              <a:latin typeface="Aharoni" panose="02010803020104030203" pitchFamily="2" charset="-79"/>
-              <a:cs typeface="Aharoni" panose="02010803020104030203" pitchFamily="2" charset="-79"/>
-            </a:endParaRPr>
+              <a:t>New Possible Booking Options</a:t>
+            </a:r>
           </a:p>
         </p:txBody>
       </p:sp>
@@ -4847,43 +4884,7 @@
                 <a:latin typeface="Aharoni" panose="02010803020104030203" pitchFamily="2" charset="-79"/>
                 <a:cs typeface="Aharoni" panose="02010803020104030203" pitchFamily="2" charset="-79"/>
               </a:rPr>
-              <a:t>Books </a:t>
-            </a:r>
-            <a:r>
-              <a:rPr lang="en-US" sz="3000" dirty="0" err="1">
-                <a:solidFill>
-                  <a:schemeClr val="bg1"/>
-                </a:solidFill>
-                <a:latin typeface="Aharoni" panose="02010803020104030203" pitchFamily="2" charset="-79"/>
-                <a:cs typeface="Aharoni" panose="02010803020104030203" pitchFamily="2" charset="-79"/>
-              </a:rPr>
-              <a:t>Sixt</a:t>
-            </a:r>
-            <a:r>
-              <a:rPr lang="en-US" sz="3000" dirty="0">
-                <a:solidFill>
-                  <a:schemeClr val="bg1"/>
-                </a:solidFill>
-                <a:latin typeface="Aharoni" panose="02010803020104030203" pitchFamily="2" charset="-79"/>
-                <a:cs typeface="Aharoni" panose="02010803020104030203" pitchFamily="2" charset="-79"/>
-              </a:rPr>
-              <a:t> Share </a:t>
-            </a:r>
-          </a:p>
-          <a:p>
-            <a:pPr lvl="1">
-              <a:buFont typeface="Wingdings" pitchFamily="2" charset="2"/>
-              <a:buChar char="§"/>
-            </a:pPr>
-            <a:r>
-              <a:rPr lang="en-US" sz="2600" dirty="0">
-                <a:solidFill>
-                  <a:schemeClr val="bg1"/>
-                </a:solidFill>
-                <a:latin typeface="Aharoni" panose="02010803020104030203" pitchFamily="2" charset="-79"/>
-                <a:cs typeface="Aharoni" panose="02010803020104030203" pitchFamily="2" charset="-79"/>
-              </a:rPr>
-              <a:t>Open it up for mixed 2 go</a:t>
+              <a:t>Rent a car</a:t>
             </a:r>
           </a:p>
           <a:p>
@@ -4900,6 +4901,71 @@
             </a:endParaRPr>
           </a:p>
           <a:p>
+            <a:pPr>
+              <a:buFont typeface="Wingdings" pitchFamily="2" charset="2"/>
+              <a:buChar char="§"/>
+            </a:pPr>
+            <a:r>
+              <a:rPr lang="en-US" sz="3000" dirty="0">
+                <a:solidFill>
+                  <a:schemeClr val="bg1"/>
+                </a:solidFill>
+                <a:latin typeface="Aharoni" panose="02010803020104030203" pitchFamily="2" charset="-79"/>
+                <a:cs typeface="Aharoni" panose="02010803020104030203" pitchFamily="2" charset="-79"/>
+              </a:rPr>
+              <a:t>Books </a:t>
+            </a:r>
+            <a:r>
+              <a:rPr lang="en-US" sz="3000" dirty="0" err="1">
+                <a:solidFill>
+                  <a:schemeClr val="bg1"/>
+                </a:solidFill>
+                <a:latin typeface="Aharoni" panose="02010803020104030203" pitchFamily="2" charset="-79"/>
+                <a:cs typeface="Aharoni" panose="02010803020104030203" pitchFamily="2" charset="-79"/>
+              </a:rPr>
+              <a:t>Sixt</a:t>
+            </a:r>
+            <a:r>
+              <a:rPr lang="en-US" sz="3000" dirty="0">
+                <a:solidFill>
+                  <a:schemeClr val="bg1"/>
+                </a:solidFill>
+                <a:latin typeface="Aharoni" panose="02010803020104030203" pitchFamily="2" charset="-79"/>
+                <a:cs typeface="Aharoni" panose="02010803020104030203" pitchFamily="2" charset="-79"/>
+              </a:rPr>
+              <a:t> Share </a:t>
+            </a:r>
+          </a:p>
+          <a:p>
+            <a:pPr lvl="1">
+              <a:buFont typeface="Wingdings" pitchFamily="2" charset="2"/>
+              <a:buChar char="§"/>
+            </a:pPr>
+            <a:r>
+              <a:rPr lang="en-US" sz="2600" dirty="0">
+                <a:solidFill>
+                  <a:schemeClr val="accent6"/>
+                </a:solidFill>
+                <a:latin typeface="Aharoni" panose="02010803020104030203" pitchFamily="2" charset="-79"/>
+                <a:cs typeface="Aharoni" panose="02010803020104030203" pitchFamily="2" charset="-79"/>
+              </a:rPr>
+              <a:t>Open it up for mixed 2 go</a:t>
+            </a:r>
+          </a:p>
+          <a:p>
+            <a:pPr>
+              <a:buFont typeface="Wingdings" pitchFamily="2" charset="2"/>
+              <a:buChar char="§"/>
+            </a:pPr>
+            <a:endParaRPr lang="en-US" sz="3000" dirty="0">
+              <a:solidFill>
+                <a:schemeClr val="bg1"/>
+              </a:solidFill>
+              <a:latin typeface="Aharoni" panose="02010803020104030203" pitchFamily="2" charset="-79"/>
+              <a:cs typeface="Aharoni" panose="02010803020104030203" pitchFamily="2" charset="-79"/>
+            </a:endParaRPr>
+          </a:p>
+          <a:p>
             <a:pPr lvl="2">
               <a:buFont typeface="Wingdings" pitchFamily="2" charset="2"/>
               <a:buChar char="§"/>
@@ -5011,6 +5077,51 @@
                 <a:latin typeface="Aharoni" panose="02010803020104030203" pitchFamily="2" charset="-79"/>
                 <a:cs typeface="Aharoni" panose="02010803020104030203" pitchFamily="2" charset="-79"/>
               </a:rPr>
+              <a:t>Book Taxi</a:t>
+            </a:r>
+          </a:p>
+          <a:p>
+            <a:pPr lvl="1">
+              <a:buFont typeface="Wingdings" pitchFamily="2" charset="2"/>
+              <a:buChar char="§"/>
+            </a:pPr>
+            <a:r>
+              <a:rPr lang="en-US" sz="2600" dirty="0">
+                <a:solidFill>
+                  <a:schemeClr val="accent6"/>
+                </a:solidFill>
+                <a:latin typeface="Aharoni" panose="02010803020104030203" pitchFamily="2" charset="-79"/>
+                <a:cs typeface="Aharoni" panose="02010803020104030203" pitchFamily="2" charset="-79"/>
+              </a:rPr>
+              <a:t>Open it up for mixed ride</a:t>
+            </a:r>
+          </a:p>
+          <a:p>
+            <a:pPr>
+              <a:buFont typeface="Wingdings" pitchFamily="2" charset="2"/>
+              <a:buChar char="§"/>
+            </a:pPr>
+            <a:endParaRPr lang="en-US" sz="3000" dirty="0">
+              <a:solidFill>
+                <a:schemeClr val="accent6"/>
+              </a:solidFill>
+              <a:latin typeface="Aharoni" panose="02010803020104030203" pitchFamily="2" charset="-79"/>
+              <a:cs typeface="Aharoni" panose="02010803020104030203" pitchFamily="2" charset="-79"/>
+            </a:endParaRPr>
+          </a:p>
+          <a:p>
+            <a:pPr>
+              <a:buFont typeface="Wingdings" pitchFamily="2" charset="2"/>
+              <a:buChar char="§"/>
+            </a:pPr>
+            <a:r>
+              <a:rPr lang="en-US" sz="3000" dirty="0">
+                <a:solidFill>
+                  <a:schemeClr val="accent6"/>
+                </a:solidFill>
+                <a:latin typeface="Aharoni" panose="02010803020104030203" pitchFamily="2" charset="-79"/>
+                <a:cs typeface="Aharoni" panose="02010803020104030203" pitchFamily="2" charset="-79"/>
+              </a:rPr>
               <a:t>Join available sixed mixed 2 go</a:t>
             </a:r>
           </a:p>
@@ -5035,7 +5146,7 @@
             <a:r>
               <a:rPr lang="en-US" sz="3000" dirty="0">
                 <a:solidFill>
-                  <a:schemeClr val="bg1"/>
+                  <a:schemeClr val="accent6"/>
                 </a:solidFill>
                 <a:latin typeface="Aharoni" panose="02010803020104030203" pitchFamily="2" charset="-79"/>
                 <a:cs typeface="Aharoni" panose="02010803020104030203" pitchFamily="2" charset="-79"/>
@@ -5056,38 +5167,6 @@
               <a:cs typeface="Aharoni" panose="02010803020104030203" pitchFamily="2" charset="-79"/>
             </a:endParaRPr>
           </a:p>
-          <a:p>
-            <a:pPr>
-              <a:buFont typeface="Wingdings" pitchFamily="2" charset="2"/>
-              <a:buChar char="§"/>
-            </a:pPr>
-            <a:r>
-              <a:rPr lang="en-US" sz="3000" dirty="0">
-                <a:solidFill>
-                  <a:schemeClr val="bg1"/>
-                </a:solidFill>
-                <a:latin typeface="Aharoni" panose="02010803020104030203" pitchFamily="2" charset="-79"/>
-                <a:cs typeface="Aharoni" panose="02010803020104030203" pitchFamily="2" charset="-79"/>
-              </a:rPr>
-              <a:t>Book Taxi</a:t>
-            </a:r>
-          </a:p>
-          <a:p>
-            <a:pPr lvl="1">
-              <a:buFont typeface="Wingdings" pitchFamily="2" charset="2"/>
-              <a:buChar char="§"/>
-            </a:pPr>
-            <a:r>
-              <a:rPr lang="en-US" sz="2600" dirty="0">
-                <a:solidFill>
-                  <a:schemeClr val="bg1"/>
-                </a:solidFill>
-                <a:latin typeface="Aharoni" panose="02010803020104030203" pitchFamily="2" charset="-79"/>
-                <a:cs typeface="Aharoni" panose="02010803020104030203" pitchFamily="2" charset="-79"/>
-              </a:rPr>
-              <a:t>Open it up for mixed ride</a:t>
-            </a:r>
-          </a:p>
         </p:txBody>
       </p:sp>
     </p:spTree>
@@ -5100,6 +5179,178 @@
   <p:clrMapOvr>
     <a:masterClrMapping/>
   </p:clrMapOvr>
+  <p:timing>
+    <p:tnLst>
+      <p:par>
+        <p:cTn id="1" dur="indefinite" restart="never" nodeType="tmRoot">
+          <p:childTnLst>
+            <p:seq concurrent="1" nextAc="seek">
+              <p:cTn id="2" dur="indefinite" nodeType="mainSeq">
+                <p:childTnLst>
+                  <p:par>
+                    <p:cTn id="3" fill="hold">
+                      <p:stCondLst>
+                        <p:cond delay="indefinite"/>
+                      </p:stCondLst>
+                      <p:childTnLst>
+                        <p:par>
+                          <p:cTn id="4" fill="hold">
+                            <p:stCondLst>
+                              <p:cond delay="0"/>
+                            </p:stCondLst>
+                            <p:childTnLst>
+                              <p:par>
+                                <p:cTn id="5" presetID="1" presetClass="entr" presetSubtype="0" fill="hold" nodeType="clickEffect">
+                                  <p:stCondLst>
+                                    <p:cond delay="0"/>
+                                  </p:stCondLst>
+                                  <p:childTnLst>
+                                    <p:set>
+                                      <p:cBhvr>
+                                        <p:cTn id="6" dur="1" fill="hold">
+                                          <p:stCondLst>
+                                            <p:cond delay="0"/>
+                                          </p:stCondLst>
+                                        </p:cTn>
+                                        <p:tgtEl>
+                                          <p:spTgt spid="7">
+                                            <p:txEl>
+                                              <p:pRg st="2" end="2"/>
+                                            </p:txEl>
+                                          </p:spTgt>
+                                        </p:tgtEl>
+                                        <p:attrNameLst>
+                                          <p:attrName>style.visibility</p:attrName>
+                                        </p:attrNameLst>
+                                      </p:cBhvr>
+                                      <p:to>
+                                        <p:strVal val="visible"/>
+                                      </p:to>
+                                    </p:set>
+                                  </p:childTnLst>
+                                </p:cTn>
+                              </p:par>
+                              <p:par>
+                                <p:cTn id="7" presetID="1" presetClass="entr" presetSubtype="0" fill="hold" nodeType="withEffect">
+                                  <p:stCondLst>
+                                    <p:cond delay="0"/>
+                                  </p:stCondLst>
+                                  <p:childTnLst>
+                                    <p:set>
+                                      <p:cBhvr>
+                                        <p:cTn id="8" dur="1" fill="hold">
+                                          <p:stCondLst>
+                                            <p:cond delay="0"/>
+                                          </p:stCondLst>
+                                        </p:cTn>
+                                        <p:tgtEl>
+                                          <p:spTgt spid="7">
+                                            <p:txEl>
+                                              <p:pRg st="4" end="4"/>
+                                            </p:txEl>
+                                          </p:spTgt>
+                                        </p:tgtEl>
+                                        <p:attrNameLst>
+                                          <p:attrName>style.visibility</p:attrName>
+                                        </p:attrNameLst>
+                                      </p:cBhvr>
+                                      <p:to>
+                                        <p:strVal val="visible"/>
+                                      </p:to>
+                                    </p:set>
+                                  </p:childTnLst>
+                                </p:cTn>
+                              </p:par>
+                              <p:par>
+                                <p:cTn id="9" presetID="1" presetClass="entr" presetSubtype="0" fill="hold" nodeType="withEffect">
+                                  <p:stCondLst>
+                                    <p:cond delay="0"/>
+                                  </p:stCondLst>
+                                  <p:childTnLst>
+                                    <p:set>
+                                      <p:cBhvr>
+                                        <p:cTn id="10" dur="1" fill="hold">
+                                          <p:stCondLst>
+                                            <p:cond delay="0"/>
+                                          </p:stCondLst>
+                                        </p:cTn>
+                                        <p:tgtEl>
+                                          <p:spTgt spid="7">
+                                            <p:txEl>
+                                              <p:pRg st="6" end="6"/>
+                                            </p:txEl>
+                                          </p:spTgt>
+                                        </p:tgtEl>
+                                        <p:attrNameLst>
+                                          <p:attrName>style.visibility</p:attrName>
+                                        </p:attrNameLst>
+                                      </p:cBhvr>
+                                      <p:to>
+                                        <p:strVal val="visible"/>
+                                      </p:to>
+                                    </p:set>
+                                  </p:childTnLst>
+                                </p:cTn>
+                              </p:par>
+                              <p:par>
+                                <p:cTn id="11" presetID="1" presetClass="entr" presetSubtype="0" fill="hold" nodeType="withEffect">
+                                  <p:stCondLst>
+                                    <p:cond delay="0"/>
+                                  </p:stCondLst>
+                                  <p:childTnLst>
+                                    <p:set>
+                                      <p:cBhvr>
+                                        <p:cTn id="12" dur="1" fill="hold">
+                                          <p:stCondLst>
+                                            <p:cond delay="0"/>
+                                          </p:stCondLst>
+                                        </p:cTn>
+                                        <p:tgtEl>
+                                          <p:spTgt spid="3">
+                                            <p:txEl>
+                                              <p:pRg st="4" end="4"/>
+                                            </p:txEl>
+                                          </p:spTgt>
+                                        </p:tgtEl>
+                                        <p:attrNameLst>
+                                          <p:attrName>style.visibility</p:attrName>
+                                        </p:attrNameLst>
+                                      </p:cBhvr>
+                                      <p:to>
+                                        <p:strVal val="visible"/>
+                                      </p:to>
+                                    </p:set>
+                                  </p:childTnLst>
+                                </p:cTn>
+                              </p:par>
+                            </p:childTnLst>
+                          </p:cTn>
+                        </p:par>
+                      </p:childTnLst>
+                    </p:cTn>
+                  </p:par>
+                </p:childTnLst>
+              </p:cTn>
+              <p:prevCondLst>
+                <p:cond evt="onPrev" delay="0">
+                  <p:tgtEl>
+                    <p:sldTgt/>
+                  </p:tgtEl>
+                </p:cond>
+              </p:prevCondLst>
+              <p:nextCondLst>
+                <p:cond evt="onNext" delay="0">
+                  <p:tgtEl>
+                    <p:sldTgt/>
+                  </p:tgtEl>
+                </p:cond>
+              </p:nextCondLst>
+            </p:seq>
+          </p:childTnLst>
+        </p:cTn>
+      </p:par>
+    </p:tnLst>
+  </p:timing>
 </p:sld>
 </file>
 
@@ -5207,7 +5458,7 @@
                 <a:latin typeface="Aharoni" panose="02010803020104030203" pitchFamily="2" charset="-79"/>
                 <a:cs typeface="Aharoni" panose="02010803020104030203" pitchFamily="2" charset="-79"/>
               </a:rPr>
-              <a:t> share trip ahead with </a:t>
+              <a:t> Share trip ahead with </a:t>
             </a:r>
             <a:r>
               <a:rPr lang="en-US" sz="3600" dirty="0" err="1">
@@ -5227,7 +5478,7 @@
                 <a:latin typeface="Aharoni" panose="02010803020104030203" pitchFamily="2" charset="-79"/>
                 <a:cs typeface="Aharoni" panose="02010803020104030203" pitchFamily="2" charset="-79"/>
               </a:rPr>
-              <a:t> calendar, opens it up for mixed</a:t>
+              <a:t> Calendar, opens it up for mixed</a:t>
             </a:r>
           </a:p>
           <a:p>
@@ -5256,7 +5507,7 @@
                 <a:latin typeface="Aharoni" panose="02010803020104030203" pitchFamily="2" charset="-79"/>
                 <a:cs typeface="Aharoni" panose="02010803020104030203" pitchFamily="2" charset="-79"/>
               </a:rPr>
-              <a:t>Bob joins Alice trip, seeing it as an option as in </a:t>
+              <a:t>Bob joins Alice trip, seeing it as an option in </a:t>
             </a:r>
             <a:r>
               <a:rPr lang="en-US" sz="3600" dirty="0" err="1">
@@ -5730,7 +5981,7 @@
             <a:r>
               <a:rPr lang="en-US" sz="3200" dirty="0">
                 <a:solidFill>
-                  <a:schemeClr val="bg1"/>
+                  <a:schemeClr val="accent6"/>
                 </a:solidFill>
                 <a:latin typeface="Aharoni" panose="02010803020104030203" pitchFamily="2" charset="-79"/>
                 <a:cs typeface="Aharoni" panose="02010803020104030203" pitchFamily="2" charset="-79"/>

--- a/Presentation.pptx
+++ b/Presentation.pptx
@@ -3865,7 +3865,18 @@
                 <a:ea typeface="Apple Symbols" panose="02000000000000000000" pitchFamily="2" charset="-79"/>
                 <a:cs typeface="Aharoni" panose="02010803020104030203" pitchFamily="2" charset="-79"/>
               </a:rPr>
-              <a:t>Ride like JUSTUS.</a:t>
+              <a:t>Ride like </a:t>
+            </a:r>
+            <a:r>
+              <a:rPr lang="en-US" sz="2400" spc="30" dirty="0">
+                <a:solidFill>
+                  <a:srgbClr val="FF5F00"/>
+                </a:solidFill>
+                <a:latin typeface="Aharoni" panose="02010803020104030203" pitchFamily="2" charset="-79"/>
+                <a:ea typeface="Apple Symbols" panose="02000000000000000000" pitchFamily="2" charset="-79"/>
+                <a:cs typeface="Aharoni" panose="02010803020104030203" pitchFamily="2" charset="-79"/>
+              </a:rPr>
+              <a:t>JUSTUS</a:t>
             </a:r>
             <a:br>
               <a:rPr lang="en-US" sz="2400" spc="30" dirty="0">
@@ -3886,7 +3897,18 @@
                 <a:ea typeface="Apple Symbols" panose="02000000000000000000" pitchFamily="2" charset="-79"/>
                 <a:cs typeface="Aharoni" panose="02010803020104030203" pitchFamily="2" charset="-79"/>
               </a:rPr>
-              <a:t>Pay like KEVIN.</a:t>
+              <a:t>Pay like </a:t>
+            </a:r>
+            <a:r>
+              <a:rPr lang="en-US" sz="2400" spc="30" dirty="0">
+                <a:solidFill>
+                  <a:srgbClr val="FF5F00"/>
+                </a:solidFill>
+                <a:latin typeface="Aharoni" panose="02010803020104030203" pitchFamily="2" charset="-79"/>
+                <a:ea typeface="Apple Symbols" panose="02000000000000000000" pitchFamily="2" charset="-79"/>
+                <a:cs typeface="Aharoni" panose="02010803020104030203" pitchFamily="2" charset="-79"/>
+              </a:rPr>
+              <a:t>KEVIN</a:t>
             </a:r>
             <a:br>
               <a:rPr lang="en-US" sz="2400" spc="30" dirty="0">
@@ -3907,7 +3929,18 @@
                 <a:ea typeface="Apple Symbols" panose="02000000000000000000" pitchFamily="2" charset="-79"/>
                 <a:cs typeface="Aharoni" panose="02010803020104030203" pitchFamily="2" charset="-79"/>
               </a:rPr>
-              <a:t>Plan like DONALD.</a:t>
+              <a:t>Plan like </a:t>
+            </a:r>
+            <a:r>
+              <a:rPr lang="en-US" sz="2400" spc="30" dirty="0">
+                <a:solidFill>
+                  <a:srgbClr val="FF5F00"/>
+                </a:solidFill>
+                <a:latin typeface="Aharoni" panose="02010803020104030203" pitchFamily="2" charset="-79"/>
+                <a:ea typeface="Apple Symbols" panose="02000000000000000000" pitchFamily="2" charset="-79"/>
+                <a:cs typeface="Aharoni" panose="02010803020104030203" pitchFamily="2" charset="-79"/>
+              </a:rPr>
+              <a:t>DONALD</a:t>
             </a:r>
             <a:br>
               <a:rPr lang="en-US" sz="2400" spc="30" dirty="0">
@@ -3943,7 +3976,7 @@
             <a:r>
               <a:rPr lang="en-US" sz="2400" spc="30" dirty="0">
                 <a:solidFill>
-                  <a:srgbClr val="FF5F00"/>
+                  <a:schemeClr val="accent6"/>
                 </a:solidFill>
                 <a:latin typeface="Aharoni" panose="02010803020104030203" pitchFamily="2" charset="-79"/>
                 <a:ea typeface="Apple Symbols" panose="02000000000000000000" pitchFamily="2" charset="-79"/>
@@ -4949,7 +4982,7 @@
                 <a:latin typeface="Aharoni" panose="02010803020104030203" pitchFamily="2" charset="-79"/>
                 <a:cs typeface="Aharoni" panose="02010803020104030203" pitchFamily="2" charset="-79"/>
               </a:rPr>
-              <a:t>Open it up for mixed 2 go</a:t>
+              <a:t>Open it up for mixed 2go</a:t>
             </a:r>
           </a:p>
           <a:p>
@@ -5093,7 +5126,27 @@
                 <a:latin typeface="Aharoni" panose="02010803020104030203" pitchFamily="2" charset="-79"/>
                 <a:cs typeface="Aharoni" panose="02010803020104030203" pitchFamily="2" charset="-79"/>
               </a:rPr>
-              <a:t>Open it up for mixed ride</a:t>
+              <a:t>Open it up for </a:t>
+            </a:r>
+            <a:r>
+              <a:rPr lang="en-US" sz="2600" dirty="0" err="1">
+                <a:solidFill>
+                  <a:schemeClr val="accent6"/>
+                </a:solidFill>
+                <a:latin typeface="Aharoni" panose="02010803020104030203" pitchFamily="2" charset="-79"/>
+                <a:cs typeface="Aharoni" panose="02010803020104030203" pitchFamily="2" charset="-79"/>
+              </a:rPr>
+              <a:t>Sixt</a:t>
+            </a:r>
+            <a:r>
+              <a:rPr lang="en-US" sz="2600" dirty="0">
+                <a:solidFill>
+                  <a:schemeClr val="accent6"/>
+                </a:solidFill>
+                <a:latin typeface="Aharoni" panose="02010803020104030203" pitchFamily="2" charset="-79"/>
+                <a:cs typeface="Aharoni" panose="02010803020104030203" pitchFamily="2" charset="-79"/>
+              </a:rPr>
+              <a:t> mixed 2go</a:t>
             </a:r>
           </a:p>
           <a:p>
@@ -5122,7 +5175,47 @@
                 <a:latin typeface="Aharoni" panose="02010803020104030203" pitchFamily="2" charset="-79"/>
                 <a:cs typeface="Aharoni" panose="02010803020104030203" pitchFamily="2" charset="-79"/>
               </a:rPr>
-              <a:t>Join available sixed mixed 2 go</a:t>
+              <a:t>Join available </a:t>
+            </a:r>
+            <a:r>
+              <a:rPr lang="en-US" sz="3000" dirty="0" err="1">
+                <a:solidFill>
+                  <a:schemeClr val="accent6"/>
+                </a:solidFill>
+                <a:latin typeface="Aharoni" panose="02010803020104030203" pitchFamily="2" charset="-79"/>
+                <a:cs typeface="Aharoni" panose="02010803020104030203" pitchFamily="2" charset="-79"/>
+              </a:rPr>
+              <a:t>Sixt</a:t>
+            </a:r>
+            <a:r>
+              <a:rPr lang="en-US" sz="3000" dirty="0">
+                <a:solidFill>
+                  <a:schemeClr val="accent6"/>
+                </a:solidFill>
+                <a:latin typeface="Aharoni" panose="02010803020104030203" pitchFamily="2" charset="-79"/>
+                <a:cs typeface="Aharoni" panose="02010803020104030203" pitchFamily="2" charset="-79"/>
+              </a:rPr>
+              <a:t> Share with </a:t>
+            </a:r>
+            <a:r>
+              <a:rPr lang="en-US" sz="3000" dirty="0" err="1">
+                <a:solidFill>
+                  <a:schemeClr val="accent6"/>
+                </a:solidFill>
+                <a:latin typeface="Aharoni" panose="02010803020104030203" pitchFamily="2" charset="-79"/>
+                <a:cs typeface="Aharoni" panose="02010803020104030203" pitchFamily="2" charset="-79"/>
+              </a:rPr>
+              <a:t>Sixt</a:t>
+            </a:r>
+            <a:r>
+              <a:rPr lang="en-US" sz="3000" dirty="0">
+                <a:solidFill>
+                  <a:schemeClr val="accent6"/>
+                </a:solidFill>
+                <a:latin typeface="Aharoni" panose="02010803020104030203" pitchFamily="2" charset="-79"/>
+                <a:cs typeface="Aharoni" panose="02010803020104030203" pitchFamily="2" charset="-79"/>
+              </a:rPr>
+              <a:t> mixed 2go</a:t>
             </a:r>
           </a:p>
           <a:p>
@@ -5151,7 +5244,7 @@
                 <a:latin typeface="Aharoni" panose="02010803020104030203" pitchFamily="2" charset="-79"/>
                 <a:cs typeface="Aharoni" panose="02010803020104030203" pitchFamily="2" charset="-79"/>
               </a:rPr>
-              <a:t>Join available sixed mixed ride</a:t>
+              <a:t>Join available Taxi with sixed mixed 2go</a:t>
             </a:r>
           </a:p>
           <a:p>
@@ -5527,7 +5620,7 @@
                 <a:latin typeface="Aharoni" panose="02010803020104030203" pitchFamily="2" charset="-79"/>
                 <a:cs typeface="Aharoni" panose="02010803020104030203" pitchFamily="2" charset="-79"/>
               </a:rPr>
-              <a:t> Mixed</a:t>
+              <a:t> Mixed 2go</a:t>
             </a:r>
             <a:endParaRPr lang="en-US" sz="3200" dirty="0">
               <a:solidFill>
